--- a/docs/ATranslate.pptx
+++ b/docs/ATranslate.pptx
@@ -151,10 +151,6 @@
 </p:presentation>
 </file>
 
-<file path=ppt/revisionInfo.xml><?xml version="1.0" encoding="utf-8"?>
-<p1510:revInfo xmlns:a="http://schemas.openxmlformats.org/drawingml/2006/main" xmlns:r="http://schemas.openxmlformats.org/officeDocument/2006/relationships" xmlns:p1510="http://schemas.microsoft.com/office/powerpoint/2015/10/main"/>
-</file>
-
 <file path=ppt/handoutMasters/handoutMaster1.xml><?xml version="1.0" encoding="utf-8"?>
 <p:handoutMaster xmlns:a="http://schemas.openxmlformats.org/drawingml/2006/main" xmlns:r="http://schemas.openxmlformats.org/officeDocument/2006/relationships" xmlns:p="http://schemas.openxmlformats.org/presentationml/2006/main">
   <p:cSld>
@@ -249,7 +245,7 @@
           <a:p>
             <a:fld id="{E1BD177A-307D-4817-A1B7-9D1B13D14424}" type="datetimeFigureOut">
               <a:rPr lang="en-US" smtClean="0"/>
-              <a:t>7/12/2018</a:t>
+              <a:t>11/28/2018</a:t>
             </a:fld>
             <a:endParaRPr lang="en-US"/>
           </a:p>
@@ -426,7 +422,7 @@
           <a:p>
             <a:fld id="{C599EF31-6AEA-45D6-A346-68C25B1B42BF}" type="datetimeFigureOut">
               <a:rPr lang="en-US" smtClean="0"/>
-              <a:t>7/12/2018</a:t>
+              <a:t>11/28/2018</a:t>
             </a:fld>
             <a:endParaRPr lang="en-US"/>
           </a:p>
@@ -737,98 +733,6 @@
           <a:bodyPr/>
           <a:lstStyle/>
           <a:p>
-            <a:pPr marL="202270" indent="-202270" fontAlgn="base">
-              <a:buFont typeface="Arial" panose="020B0604020202020204" pitchFamily="34" charset="0"/>
-              <a:buChar char="•"/>
-            </a:pPr>
-            <a:r>
-              <a:rPr lang="en-US" dirty="0"/>
-              <a:t>The </a:t>
-            </a:r>
-            <a:r>
-              <a:rPr lang="en-US" dirty="0" err="1"/>
-              <a:t>translationStudio</a:t>
-            </a:r>
-            <a:r>
-              <a:rPr lang="en-US" dirty="0"/>
-              <a:t>-Android is a mobile app where translators can do offline translating. It can be downloaded for Android devices. </a:t>
-            </a:r>
-          </a:p>
-          <a:p>
-            <a:pPr marL="202270" indent="-202270" fontAlgn="base">
-              <a:buFont typeface="Arial" panose="020B0604020202020204" pitchFamily="34" charset="0"/>
-              <a:buChar char="•"/>
-            </a:pPr>
-            <a:r>
-              <a:rPr lang="en-US" dirty="0"/>
-              <a:t>The tool named </a:t>
-            </a:r>
-            <a:r>
-              <a:rPr lang="en-US" dirty="0" err="1"/>
-              <a:t>translationStudio</a:t>
-            </a:r>
-            <a:r>
-              <a:rPr lang="en-US" dirty="0"/>
-              <a:t> was created by Distant Shore Media programmers so that anyone with an Android tablet can translate the Bible into their heart language.</a:t>
-            </a:r>
-          </a:p>
-          <a:p>
-            <a:pPr marL="202270" indent="-202270" fontAlgn="base">
-              <a:buFont typeface="Arial" panose="020B0604020202020204" pitchFamily="34" charset="0"/>
-              <a:buChar char="•"/>
-            </a:pPr>
-            <a:r>
-              <a:rPr lang="en-US" dirty="0"/>
-              <a:t>The </a:t>
-            </a:r>
-            <a:r>
-              <a:rPr lang="en-US" dirty="0" err="1"/>
-              <a:t>translationStudio</a:t>
-            </a:r>
-            <a:r>
-              <a:rPr lang="en-US" dirty="0"/>
-              <a:t> tool is open source (without cost) and copyright free (content is not copyrighted against translation)</a:t>
-            </a:r>
-          </a:p>
-          <a:p>
-            <a:pPr marL="741652" lvl="1" indent="-202270" fontAlgn="base">
-              <a:buFont typeface="Arial" panose="020B0604020202020204" pitchFamily="34" charset="0"/>
-              <a:buChar char="•"/>
-            </a:pPr>
-            <a:r>
-              <a:rPr lang="en-US" dirty="0"/>
-              <a:t>Most Bibles and resources are copyrighted – can’t use as a translation source unless receiving permission from publisher, often involving paying royalties. For example, if you translate out of a single source, it is considered plagiarism to publish. You must use at least 3 sources for it not to be plagiarism. </a:t>
-            </a:r>
-          </a:p>
-          <a:p>
-            <a:pPr marL="202270" indent="-202270" fontAlgn="base">
-              <a:buFont typeface="Arial" panose="020B0604020202020204" pitchFamily="34" charset="0"/>
-              <a:buChar char="•"/>
-            </a:pPr>
-            <a:r>
-              <a:rPr lang="en-US" dirty="0"/>
-              <a:t>It contains the content that needs to be translated as well as </a:t>
-            </a:r>
-            <a:r>
-              <a:rPr lang="en-US" dirty="0" err="1"/>
-              <a:t>translationHelps</a:t>
-            </a:r>
-            <a:r>
-              <a:rPr lang="en-US" dirty="0"/>
-              <a:t> (Bible resources – notes, words, questions) . </a:t>
-            </a:r>
-          </a:p>
-          <a:p>
-            <a:pPr marL="202270" indent="-202270" fontAlgn="base">
-              <a:buFont typeface="Arial" panose="020B0604020202020204" pitchFamily="34" charset="0"/>
-              <a:buChar char="•"/>
-            </a:pPr>
-            <a:r>
-              <a:rPr lang="en-US" dirty="0"/>
-              <a:t>Information can be shared directly from device to device and finished content can be uploaded to Door43 and digitally published.</a:t>
-            </a:r>
-          </a:p>
-          <a:p>
             <a:endParaRPr lang="en-US" dirty="0"/>
           </a:p>
         </p:txBody>
@@ -913,10 +817,7 @@
           <a:bodyPr/>
           <a:lstStyle/>
           <a:p>
-            <a:r>
-              <a:rPr lang="en-US" dirty="0"/>
-              <a:t>Demo this and then have them do it.</a:t>
-            </a:r>
+            <a:endParaRPr lang="en-US" dirty="0"/>
           </a:p>
         </p:txBody>
       </p:sp>
@@ -1000,10 +901,7 @@
           <a:bodyPr/>
           <a:lstStyle/>
           <a:p>
-            <a:r>
-              <a:rPr lang="en-US" dirty="0"/>
-              <a:t>Demo this and then have them do it.</a:t>
-            </a:r>
+            <a:endParaRPr lang="en-US" dirty="0"/>
           </a:p>
         </p:txBody>
       </p:sp>
@@ -1087,10 +985,7 @@
           <a:bodyPr/>
           <a:lstStyle/>
           <a:p>
-            <a:r>
-              <a:rPr lang="en-US" dirty="0"/>
-              <a:t>Demo this and then have them do it.</a:t>
-            </a:r>
+            <a:endParaRPr lang="en-US" dirty="0"/>
           </a:p>
         </p:txBody>
       </p:sp>
@@ -1174,10 +1069,7 @@
           <a:bodyPr/>
           <a:lstStyle/>
           <a:p>
-            <a:r>
-              <a:rPr lang="en-US" dirty="0"/>
-              <a:t>Demo this and then have them do it.</a:t>
-            </a:r>
+            <a:endParaRPr lang="en-US" dirty="0"/>
           </a:p>
         </p:txBody>
       </p:sp>
@@ -1261,10 +1153,7 @@
           <a:bodyPr/>
           <a:lstStyle/>
           <a:p>
-            <a:r>
-              <a:rPr lang="en-US" dirty="0"/>
-              <a:t>Demo this and then have them do it.</a:t>
-            </a:r>
+            <a:endParaRPr lang="en-US" dirty="0"/>
           </a:p>
         </p:txBody>
       </p:sp>
@@ -1348,10 +1237,7 @@
           <a:bodyPr/>
           <a:lstStyle/>
           <a:p>
-            <a:r>
-              <a:rPr lang="en-US" dirty="0"/>
-              <a:t>Demo this and then have them do it.</a:t>
-            </a:r>
+            <a:endParaRPr lang="en-US" dirty="0"/>
           </a:p>
         </p:txBody>
       </p:sp>
@@ -1435,10 +1321,7 @@
           <a:bodyPr/>
           <a:lstStyle/>
           <a:p>
-            <a:r>
-              <a:rPr lang="en-US" dirty="0"/>
-              <a:t>Demo this and then have them do it.</a:t>
-            </a:r>
+            <a:endParaRPr lang="en-US" dirty="0"/>
           </a:p>
         </p:txBody>
       </p:sp>
@@ -1522,98 +1405,6 @@
           <a:bodyPr/>
           <a:lstStyle/>
           <a:p>
-            <a:pPr marL="202270" indent="-202270" fontAlgn="base">
-              <a:buFont typeface="Arial" panose="020B0604020202020204" pitchFamily="34" charset="0"/>
-              <a:buChar char="•"/>
-            </a:pPr>
-            <a:r>
-              <a:rPr lang="en-US" dirty="0"/>
-              <a:t>The </a:t>
-            </a:r>
-            <a:r>
-              <a:rPr lang="en-US" dirty="0" err="1"/>
-              <a:t>translationStudio</a:t>
-            </a:r>
-            <a:r>
-              <a:rPr lang="en-US" dirty="0"/>
-              <a:t>-Android is a mobile app where translators can do offline translating. It can be downloaded for Android devices. </a:t>
-            </a:r>
-          </a:p>
-          <a:p>
-            <a:pPr marL="202270" indent="-202270" fontAlgn="base">
-              <a:buFont typeface="Arial" panose="020B0604020202020204" pitchFamily="34" charset="0"/>
-              <a:buChar char="•"/>
-            </a:pPr>
-            <a:r>
-              <a:rPr lang="en-US" dirty="0"/>
-              <a:t>The tool named </a:t>
-            </a:r>
-            <a:r>
-              <a:rPr lang="en-US" dirty="0" err="1"/>
-              <a:t>translationStudio</a:t>
-            </a:r>
-            <a:r>
-              <a:rPr lang="en-US" dirty="0"/>
-              <a:t> was created by Distant Shore Media programmers so that anyone with an Android tablet can translate the Bible into their heart language.</a:t>
-            </a:r>
-          </a:p>
-          <a:p>
-            <a:pPr marL="202270" indent="-202270" fontAlgn="base">
-              <a:buFont typeface="Arial" panose="020B0604020202020204" pitchFamily="34" charset="0"/>
-              <a:buChar char="•"/>
-            </a:pPr>
-            <a:r>
-              <a:rPr lang="en-US" dirty="0"/>
-              <a:t>The </a:t>
-            </a:r>
-            <a:r>
-              <a:rPr lang="en-US" dirty="0" err="1"/>
-              <a:t>translationStudio</a:t>
-            </a:r>
-            <a:r>
-              <a:rPr lang="en-US" dirty="0"/>
-              <a:t> tool is open source (without cost) and copyright free (content is not copyrighted against translation)</a:t>
-            </a:r>
-          </a:p>
-          <a:p>
-            <a:pPr marL="741652" lvl="1" indent="-202270" fontAlgn="base">
-              <a:buFont typeface="Arial" panose="020B0604020202020204" pitchFamily="34" charset="0"/>
-              <a:buChar char="•"/>
-            </a:pPr>
-            <a:r>
-              <a:rPr lang="en-US" dirty="0"/>
-              <a:t>Most Bibles and resources are copyrighted – can’t use as a translation source unless receiving permission from publisher, often involving paying royalties. For example, if you translate out of a single source, it is considered plagiarism to publish. You must use at least 3 sources for it not to be plagiarism. </a:t>
-            </a:r>
-          </a:p>
-          <a:p>
-            <a:pPr marL="202270" indent="-202270" fontAlgn="base">
-              <a:buFont typeface="Arial" panose="020B0604020202020204" pitchFamily="34" charset="0"/>
-              <a:buChar char="•"/>
-            </a:pPr>
-            <a:r>
-              <a:rPr lang="en-US" dirty="0"/>
-              <a:t>It contains the content that needs to be translated as well as </a:t>
-            </a:r>
-            <a:r>
-              <a:rPr lang="en-US" dirty="0" err="1"/>
-              <a:t>translationHelps</a:t>
-            </a:r>
-            <a:r>
-              <a:rPr lang="en-US" dirty="0"/>
-              <a:t> (Bible resources – notes, words, questions) . </a:t>
-            </a:r>
-          </a:p>
-          <a:p>
-            <a:pPr marL="202270" indent="-202270" fontAlgn="base">
-              <a:buFont typeface="Arial" panose="020B0604020202020204" pitchFamily="34" charset="0"/>
-              <a:buChar char="•"/>
-            </a:pPr>
-            <a:r>
-              <a:rPr lang="en-US" dirty="0"/>
-              <a:t>Information can be shared directly from device to device and finished content can be uploaded to Door43 and digitally published.</a:t>
-            </a:r>
-          </a:p>
-          <a:p>
             <a:endParaRPr lang="en-US" dirty="0"/>
           </a:p>
         </p:txBody>
@@ -1785,10 +1576,7 @@
           <a:bodyPr/>
           <a:lstStyle/>
           <a:p>
-            <a:r>
-              <a:rPr lang="en-US" dirty="0"/>
-              <a:t>Demo this and then have them do it.</a:t>
-            </a:r>
+            <a:endParaRPr lang="en-US" dirty="0"/>
           </a:p>
         </p:txBody>
       </p:sp>
@@ -1872,10 +1660,7 @@
           <a:bodyPr/>
           <a:lstStyle/>
           <a:p>
-            <a:r>
-              <a:rPr lang="en-US" dirty="0"/>
-              <a:t>Demo this and then have them do it.</a:t>
-            </a:r>
+            <a:endParaRPr lang="en-US" dirty="0"/>
           </a:p>
         </p:txBody>
       </p:sp>
@@ -1959,10 +1744,7 @@
           <a:bodyPr/>
           <a:lstStyle/>
           <a:p>
-            <a:r>
-              <a:rPr lang="en-US" dirty="0"/>
-              <a:t>Demo this and then have them do it.</a:t>
-            </a:r>
+            <a:endParaRPr lang="en-US" dirty="0"/>
           </a:p>
         </p:txBody>
       </p:sp>
@@ -2046,10 +1828,7 @@
           <a:bodyPr/>
           <a:lstStyle/>
           <a:p>
-            <a:r>
-              <a:rPr lang="en-US" dirty="0"/>
-              <a:t>Demo this and then have them do it.</a:t>
-            </a:r>
+            <a:endParaRPr lang="en-US" dirty="0"/>
           </a:p>
         </p:txBody>
       </p:sp>
@@ -2133,10 +1912,7 @@
           <a:bodyPr/>
           <a:lstStyle/>
           <a:p>
-            <a:r>
-              <a:rPr lang="en-US" dirty="0"/>
-              <a:t>Demo this and then have them do it.</a:t>
-            </a:r>
+            <a:endParaRPr lang="en-US" dirty="0"/>
           </a:p>
         </p:txBody>
       </p:sp>
@@ -2220,10 +1996,7 @@
           <a:bodyPr/>
           <a:lstStyle/>
           <a:p>
-            <a:r>
-              <a:rPr lang="en-US" dirty="0"/>
-              <a:t>Demo this and then have them do it.</a:t>
-            </a:r>
+            <a:endParaRPr lang="en-US" dirty="0"/>
           </a:p>
         </p:txBody>
       </p:sp>
@@ -2307,10 +2080,7 @@
           <a:bodyPr/>
           <a:lstStyle/>
           <a:p>
-            <a:r>
-              <a:rPr lang="en-US" dirty="0"/>
-              <a:t>Demo this and then have them do it.</a:t>
-            </a:r>
+            <a:endParaRPr lang="en-US" dirty="0"/>
           </a:p>
         </p:txBody>
       </p:sp>
@@ -2852,7 +2622,7 @@
           <a:p>
             <a:fld id="{5071B87F-141C-4871-A01A-50F139738E5B}" type="datetimeFigureOut">
               <a:rPr lang="en-US" smtClean="0"/>
-              <a:t>7/12/2018</a:t>
+              <a:t>11/28/2018</a:t>
             </a:fld>
             <a:endParaRPr lang="en-US"/>
           </a:p>
@@ -3148,7 +2918,7 @@
           <a:p>
             <a:fld id="{5071B87F-141C-4871-A01A-50F139738E5B}" type="datetimeFigureOut">
               <a:rPr lang="en-US" smtClean="0"/>
-              <a:t>7/12/2018</a:t>
+              <a:t>11/28/2018</a:t>
             </a:fld>
             <a:endParaRPr lang="en-US"/>
           </a:p>
@@ -3396,7 +3166,7 @@
           <a:p>
             <a:fld id="{5071B87F-141C-4871-A01A-50F139738E5B}" type="datetimeFigureOut">
               <a:rPr lang="en-US" smtClean="0"/>
-              <a:t>7/12/2018</a:t>
+              <a:t>11/28/2018</a:t>
             </a:fld>
             <a:endParaRPr lang="en-US"/>
           </a:p>
@@ -3936,7 +3706,7 @@
           <a:p>
             <a:fld id="{5071B87F-141C-4871-A01A-50F139738E5B}" type="datetimeFigureOut">
               <a:rPr lang="en-US" smtClean="0"/>
-              <a:t>7/12/2018</a:t>
+              <a:t>11/28/2018</a:t>
             </a:fld>
             <a:endParaRPr lang="en-US"/>
           </a:p>
@@ -4184,7 +3954,7 @@
           <a:p>
             <a:fld id="{5071B87F-141C-4871-A01A-50F139738E5B}" type="datetimeFigureOut">
               <a:rPr lang="en-US" smtClean="0"/>
-              <a:t>7/12/2018</a:t>
+              <a:t>11/28/2018</a:t>
             </a:fld>
             <a:endParaRPr lang="en-US"/>
           </a:p>
@@ -4716,7 +4486,7 @@
           <a:p>
             <a:fld id="{5071B87F-141C-4871-A01A-50F139738E5B}" type="datetimeFigureOut">
               <a:rPr lang="en-US" smtClean="0"/>
-              <a:t>7/12/2018</a:t>
+              <a:t>11/28/2018</a:t>
             </a:fld>
             <a:endParaRPr lang="en-US"/>
           </a:p>
@@ -5013,7 +4783,7 @@
           <a:p>
             <a:fld id="{5071B87F-141C-4871-A01A-50F139738E5B}" type="datetimeFigureOut">
               <a:rPr lang="en-US" smtClean="0"/>
-              <a:t>7/12/2018</a:t>
+              <a:t>11/28/2018</a:t>
             </a:fld>
             <a:endParaRPr lang="en-US"/>
           </a:p>
@@ -5187,7 +4957,7 @@
           <a:p>
             <a:fld id="{5071B87F-141C-4871-A01A-50F139738E5B}" type="datetimeFigureOut">
               <a:rPr lang="en-US" smtClean="0"/>
-              <a:t>7/12/2018</a:t>
+              <a:t>11/28/2018</a:t>
             </a:fld>
             <a:endParaRPr lang="en-US"/>
           </a:p>
@@ -5367,7 +5137,7 @@
           <a:p>
             <a:fld id="{5071B87F-141C-4871-A01A-50F139738E5B}" type="datetimeFigureOut">
               <a:rPr lang="en-US" smtClean="0"/>
-              <a:t>7/12/2018</a:t>
+              <a:t>11/28/2018</a:t>
             </a:fld>
             <a:endParaRPr lang="en-US"/>
           </a:p>
@@ -5549,7 +5319,7 @@
           <a:p>
             <a:fld id="{5071B87F-141C-4871-A01A-50F139738E5B}" type="datetimeFigureOut">
               <a:rPr lang="en-US" smtClean="0"/>
-              <a:t>7/12/2018</a:t>
+              <a:t>11/28/2018</a:t>
             </a:fld>
             <a:endParaRPr lang="en-US"/>
           </a:p>
@@ -5800,7 +5570,7 @@
           <a:p>
             <a:fld id="{5071B87F-141C-4871-A01A-50F139738E5B}" type="datetimeFigureOut">
               <a:rPr lang="en-US" smtClean="0"/>
-              <a:t>7/12/2018</a:t>
+              <a:t>11/28/2018</a:t>
             </a:fld>
             <a:endParaRPr lang="en-US"/>
           </a:p>
@@ -6097,7 +5867,7 @@
           <a:p>
             <a:fld id="{5071B87F-141C-4871-A01A-50F139738E5B}" type="datetimeFigureOut">
               <a:rPr lang="en-US" smtClean="0"/>
-              <a:t>7/12/2018</a:t>
+              <a:t>11/28/2018</a:t>
             </a:fld>
             <a:endParaRPr lang="en-US"/>
           </a:p>
@@ -6539,7 +6309,7 @@
           <a:p>
             <a:fld id="{5071B87F-141C-4871-A01A-50F139738E5B}" type="datetimeFigureOut">
               <a:rPr lang="en-US" smtClean="0"/>
-              <a:t>7/12/2018</a:t>
+              <a:t>11/28/2018</a:t>
             </a:fld>
             <a:endParaRPr lang="en-US"/>
           </a:p>
@@ -6657,7 +6427,7 @@
           <a:p>
             <a:fld id="{5071B87F-141C-4871-A01A-50F139738E5B}" type="datetimeFigureOut">
               <a:rPr lang="en-US" smtClean="0"/>
-              <a:t>7/12/2018</a:t>
+              <a:t>11/28/2018</a:t>
             </a:fld>
             <a:endParaRPr lang="en-US"/>
           </a:p>
@@ -6752,7 +6522,7 @@
           <a:p>
             <a:fld id="{5071B87F-141C-4871-A01A-50F139738E5B}" type="datetimeFigureOut">
               <a:rPr lang="en-US" smtClean="0"/>
-              <a:t>7/12/2018</a:t>
+              <a:t>11/28/2018</a:t>
             </a:fld>
             <a:endParaRPr lang="en-US"/>
           </a:p>
@@ -7035,7 +6805,7 @@
           <a:p>
             <a:fld id="{5071B87F-141C-4871-A01A-50F139738E5B}" type="datetimeFigureOut">
               <a:rPr lang="en-US" smtClean="0"/>
-              <a:t>7/12/2018</a:t>
+              <a:t>11/28/2018</a:t>
             </a:fld>
             <a:endParaRPr lang="en-US"/>
           </a:p>
@@ -7326,7 +7096,7 @@
           <a:p>
             <a:fld id="{5071B87F-141C-4871-A01A-50F139738E5B}" type="datetimeFigureOut">
               <a:rPr lang="en-US" smtClean="0"/>
-              <a:t>7/12/2018</a:t>
+              <a:t>11/28/2018</a:t>
             </a:fld>
             <a:endParaRPr lang="en-US"/>
           </a:p>
@@ -7856,7 +7626,7 @@
           <a:p>
             <a:fld id="{5071B87F-141C-4871-A01A-50F139738E5B}" type="datetimeFigureOut">
               <a:rPr lang="en-US" smtClean="0"/>
-              <a:t>7/12/2018</a:t>
+              <a:t>11/28/2018</a:t>
             </a:fld>
             <a:endParaRPr lang="en-US"/>
           </a:p>
